--- a/7_Allegati/Presentazione/Borsa_PresentazioneEmoSupporter.pptx
+++ b/7_Allegati/Presentazione/Borsa_PresentazioneEmoSupporter.pptx
@@ -5,7 +5,7 @@
     <p:sldMasterId id="2147483707" r:id="rId1"/>
   </p:sldMasterIdLst>
   <p:notesMasterIdLst>
-    <p:notesMasterId r:id="rId11"/>
+    <p:notesMasterId r:id="rId12"/>
   </p:notesMasterIdLst>
   <p:sldIdLst>
     <p:sldId id="257" r:id="rId2"/>
@@ -13,10 +13,11 @@
     <p:sldId id="259" r:id="rId4"/>
     <p:sldId id="272" r:id="rId5"/>
     <p:sldId id="273" r:id="rId6"/>
-    <p:sldId id="274" r:id="rId7"/>
-    <p:sldId id="262" r:id="rId8"/>
-    <p:sldId id="263" r:id="rId9"/>
-    <p:sldId id="271" r:id="rId10"/>
+    <p:sldId id="275" r:id="rId7"/>
+    <p:sldId id="274" r:id="rId8"/>
+    <p:sldId id="262" r:id="rId9"/>
+    <p:sldId id="263" r:id="rId10"/>
+    <p:sldId id="271" r:id="rId11"/>
   </p:sldIdLst>
   <p:sldSz cx="12192000" cy="6858000"/>
   <p:notesSz cx="6858000" cy="9144000"/>
@@ -115,6 +116,11 @@
       </a:defRPr>
     </a:lvl9pPr>
   </p:defaultTextStyle>
+  <p:extLst>
+    <p:ext uri="{EFAFB233-063F-42B5-8137-9DF3F51BA10A}">
+      <p15:sldGuideLst xmlns:p15="http://schemas.microsoft.com/office/powerpoint/2012/main"/>
+    </p:ext>
+  </p:extLst>
 </p:presentation>
 </file>
 
@@ -200,7 +206,7 @@
           <a:p>
             <a:fld id="{0BC66B8D-CBF0-462E-B70B-21E006E2E816}" type="datetimeFigureOut">
               <a:rPr lang="it-CH" smtClean="0"/>
-              <a:t>12.01.2023</a:t>
+              <a:t>13.01.2023</a:t>
             </a:fld>
             <a:endParaRPr lang="it-CH"/>
           </a:p>
@@ -617,7 +623,7 @@
           <a:p>
             <a:fld id="{5096D873-70FA-4714-BB38-05F0E7416169}" type="slidenum">
               <a:rPr lang="it-CH" smtClean="0"/>
-              <a:t>8</a:t>
+              <a:t>9</a:t>
             </a:fld>
             <a:endParaRPr lang="it-CH"/>
           </a:p>
@@ -731,7 +737,7 @@
           <a:effectLst/>
           <a:extLst>
             <a:ext uri="{91240B29-F687-4f45-9708-019B960494DF}">
-              <a14:hiddenLine xmlns:a14="http://schemas.microsoft.com/office/drawing/2010/main" xmlns="" w="9525">
+              <a14:hiddenLine xmlns="" xmlns:a14="http://schemas.microsoft.com/office/drawing/2010/main" w="9525">
                 <a:solidFill>
                   <a:srgbClr val="000000"/>
                 </a:solidFill>
@@ -923,7 +929,7 @@
           <a:p>
             <a:fld id="{84C733E5-EF22-4B26-8746-8374379D6697}" type="datetimeFigureOut">
               <a:rPr lang="it-CH" smtClean="0"/>
-              <a:t>12.01.2023</a:t>
+              <a:t>13.01.2023</a:t>
             </a:fld>
             <a:endParaRPr lang="it-CH"/>
           </a:p>
@@ -1241,7 +1247,7 @@
           <a:p>
             <a:fld id="{84C733E5-EF22-4B26-8746-8374379D6697}" type="datetimeFigureOut">
               <a:rPr lang="it-CH" smtClean="0"/>
-              <a:t>12.01.2023</a:t>
+              <a:t>13.01.2023</a:t>
             </a:fld>
             <a:endParaRPr lang="it-CH"/>
           </a:p>
@@ -1729,7 +1735,7 @@
           <a:p>
             <a:fld id="{84C733E5-EF22-4B26-8746-8374379D6697}" type="datetimeFigureOut">
               <a:rPr lang="it-CH" smtClean="0"/>
-              <a:t>12.01.2023</a:t>
+              <a:t>13.01.2023</a:t>
             </a:fld>
             <a:endParaRPr lang="it-CH"/>
           </a:p>
@@ -2098,7 +2104,7 @@
           <a:p>
             <a:fld id="{84C733E5-EF22-4B26-8746-8374379D6697}" type="datetimeFigureOut">
               <a:rPr lang="it-CH" smtClean="0"/>
-              <a:t>12.01.2023</a:t>
+              <a:t>13.01.2023</a:t>
             </a:fld>
             <a:endParaRPr lang="it-CH"/>
           </a:p>
@@ -2253,7 +2259,7 @@
           <a:ln/>
           <a:extLst>
             <a:ext uri="{91240B29-F687-4f45-9708-019B960494DF}">
-              <a14:hiddenLine xmlns:a14="http://schemas.microsoft.com/office/drawing/2010/main" xmlns="" w="9525">
+              <a14:hiddenLine xmlns="" xmlns:a14="http://schemas.microsoft.com/office/drawing/2010/main" w="9525">
                 <a:solidFill>
                   <a:srgbClr val="000000"/>
                 </a:solidFill>
@@ -2371,7 +2377,7 @@
           <a:p>
             <a:fld id="{84C733E5-EF22-4B26-8746-8374379D6697}" type="datetimeFigureOut">
               <a:rPr lang="it-CH" smtClean="0"/>
-              <a:t>12.01.2023</a:t>
+              <a:t>13.01.2023</a:t>
             </a:fld>
             <a:endParaRPr lang="it-CH"/>
           </a:p>
@@ -2528,7 +2534,7 @@
           <a:ln/>
           <a:extLst>
             <a:ext uri="{91240B29-F687-4f45-9708-019B960494DF}">
-              <a14:hiddenLine xmlns:a14="http://schemas.microsoft.com/office/drawing/2010/main" xmlns="" w="9525">
+              <a14:hiddenLine xmlns="" xmlns:a14="http://schemas.microsoft.com/office/drawing/2010/main" w="9525">
                 <a:solidFill>
                   <a:srgbClr val="000000"/>
                 </a:solidFill>
@@ -2656,7 +2662,7 @@
           <a:p>
             <a:fld id="{84C733E5-EF22-4B26-8746-8374379D6697}" type="datetimeFigureOut">
               <a:rPr lang="it-CH" smtClean="0"/>
-              <a:t>12.01.2023</a:t>
+              <a:t>13.01.2023</a:t>
             </a:fld>
             <a:endParaRPr lang="it-CH"/>
           </a:p>
@@ -2811,7 +2817,7 @@
           <a:ln/>
           <a:extLst>
             <a:ext uri="{91240B29-F687-4f45-9708-019B960494DF}">
-              <a14:hiddenLine xmlns:a14="http://schemas.microsoft.com/office/drawing/2010/main" xmlns="" w="9525">
+              <a14:hiddenLine xmlns="" xmlns:a14="http://schemas.microsoft.com/office/drawing/2010/main" w="9525">
                 <a:solidFill>
                   <a:srgbClr val="000000"/>
                 </a:solidFill>
@@ -2939,7 +2945,7 @@
           <a:p>
             <a:fld id="{84C733E5-EF22-4B26-8746-8374379D6697}" type="datetimeFigureOut">
               <a:rPr lang="it-CH" smtClean="0"/>
-              <a:t>12.01.2023</a:t>
+              <a:t>13.01.2023</a:t>
             </a:fld>
             <a:endParaRPr lang="it-CH"/>
           </a:p>
@@ -3282,7 +3288,7 @@
           <a:p>
             <a:fld id="{84C733E5-EF22-4B26-8746-8374379D6697}" type="datetimeFigureOut">
               <a:rPr lang="it-CH" smtClean="0"/>
-              <a:t>12.01.2023</a:t>
+              <a:t>13.01.2023</a:t>
             </a:fld>
             <a:endParaRPr lang="it-CH"/>
           </a:p>
@@ -3437,7 +3443,7 @@
           <a:ln/>
           <a:extLst>
             <a:ext uri="{91240B29-F687-4f45-9708-019B960494DF}">
-              <a14:hiddenLine xmlns:a14="http://schemas.microsoft.com/office/drawing/2010/main" xmlns="" w="9525">
+              <a14:hiddenLine xmlns="" xmlns:a14="http://schemas.microsoft.com/office/drawing/2010/main" w="9525">
                 <a:solidFill>
                   <a:srgbClr val="000000"/>
                 </a:solidFill>
@@ -3621,7 +3627,7 @@
           <a:p>
             <a:fld id="{84C733E5-EF22-4B26-8746-8374379D6697}" type="datetimeFigureOut">
               <a:rPr lang="it-CH" smtClean="0"/>
-              <a:t>12.01.2023</a:t>
+              <a:t>13.01.2023</a:t>
             </a:fld>
             <a:endParaRPr lang="it-CH"/>
           </a:p>
@@ -3776,7 +3782,7 @@
           <a:ln/>
           <a:extLst>
             <a:ext uri="{91240B29-F687-4f45-9708-019B960494DF}">
-              <a14:hiddenLine xmlns:a14="http://schemas.microsoft.com/office/drawing/2010/main" xmlns="" w="9525">
+              <a14:hiddenLine xmlns="" xmlns:a14="http://schemas.microsoft.com/office/drawing/2010/main" w="9525">
                 <a:solidFill>
                   <a:srgbClr val="000000"/>
                 </a:solidFill>
@@ -4098,7 +4104,7 @@
           <a:p>
             <a:fld id="{84C733E5-EF22-4B26-8746-8374379D6697}" type="datetimeFigureOut">
               <a:rPr lang="it-CH" smtClean="0"/>
-              <a:t>12.01.2023</a:t>
+              <a:t>13.01.2023</a:t>
             </a:fld>
             <a:endParaRPr lang="it-CH"/>
           </a:p>
@@ -4253,7 +4259,7 @@
           <a:ln/>
           <a:extLst>
             <a:ext uri="{91240B29-F687-4f45-9708-019B960494DF}">
-              <a14:hiddenLine xmlns:a14="http://schemas.microsoft.com/office/drawing/2010/main" xmlns="" w="9525">
+              <a14:hiddenLine xmlns="" xmlns:a14="http://schemas.microsoft.com/office/drawing/2010/main" w="9525">
                 <a:solidFill>
                   <a:srgbClr val="000000"/>
                 </a:solidFill>
@@ -4319,7 +4325,7 @@
           <a:p>
             <a:fld id="{84C733E5-EF22-4B26-8746-8374379D6697}" type="datetimeFigureOut">
               <a:rPr lang="it-CH" smtClean="0"/>
-              <a:t>12.01.2023</a:t>
+              <a:t>13.01.2023</a:t>
             </a:fld>
             <a:endParaRPr lang="it-CH"/>
           </a:p>
@@ -4414,7 +4420,7 @@
           <a:p>
             <a:fld id="{84C733E5-EF22-4B26-8746-8374379D6697}" type="datetimeFigureOut">
               <a:rPr lang="it-CH" smtClean="0"/>
-              <a:t>12.01.2023</a:t>
+              <a:t>13.01.2023</a:t>
             </a:fld>
             <a:endParaRPr lang="it-CH"/>
           </a:p>
@@ -4682,7 +4688,7 @@
           <a:ln/>
           <a:extLst>
             <a:ext uri="{91240B29-F687-4f45-9708-019B960494DF}">
-              <a14:hiddenLine xmlns:a14="http://schemas.microsoft.com/office/drawing/2010/main" xmlns="" w="9525">
+              <a14:hiddenLine xmlns="" xmlns:a14="http://schemas.microsoft.com/office/drawing/2010/main" w="9525">
                 <a:solidFill>
                   <a:srgbClr val="000000"/>
                 </a:solidFill>
@@ -4881,7 +4887,7 @@
           <a:p>
             <a:fld id="{84C733E5-EF22-4B26-8746-8374379D6697}" type="datetimeFigureOut">
               <a:rPr lang="it-CH" smtClean="0"/>
-              <a:t>12.01.2023</a:t>
+              <a:t>13.01.2023</a:t>
             </a:fld>
             <a:endParaRPr lang="it-CH"/>
           </a:p>
@@ -5194,7 +5200,7 @@
           <a:p>
             <a:fld id="{84C733E5-EF22-4B26-8746-8374379D6697}" type="datetimeFigureOut">
               <a:rPr lang="it-CH" smtClean="0"/>
-              <a:t>12.01.2023</a:t>
+              <a:t>13.01.2023</a:t>
             </a:fld>
             <a:endParaRPr lang="it-CH"/>
           </a:p>
@@ -5464,7 +5470,7 @@
           <a:p>
             <a:fld id="{84C733E5-EF22-4B26-8746-8374379D6697}" type="datetimeFigureOut">
               <a:rPr lang="it-CH" smtClean="0"/>
-              <a:t>12.01.2023</a:t>
+              <a:t>13.01.2023</a:t>
             </a:fld>
             <a:endParaRPr lang="it-CH"/>
           </a:p>
@@ -5988,6 +5994,66 @@
           </a:p>
         </p:txBody>
       </p:sp>
+      <p:pic>
+        <p:nvPicPr>
+          <p:cNvPr id="5" name="Immagine 4">
+            <a:extLst>
+              <a:ext uri="{FF2B5EF4-FFF2-40B4-BE49-F238E27FC236}">
+                <a16:creationId xmlns:a16="http://schemas.microsoft.com/office/drawing/2014/main" id="{E9E1B915-ADBA-437C-864C-9AAC73706249}"/>
+              </a:ext>
+            </a:extLst>
+          </p:cNvPr>
+          <p:cNvPicPr>
+            <a:picLocks noChangeAspect="1"/>
+          </p:cNvPicPr>
+          <p:nvPr/>
+        </p:nvPicPr>
+        <p:blipFill>
+          <a:blip r:embed="rId2">
+            <a:extLst>
+              <a:ext uri="{28A0092B-C50C-407E-A947-70E740481C1C}">
+                <a14:useLocalDpi xmlns:a14="http://schemas.microsoft.com/office/drawing/2010/main" val="0"/>
+              </a:ext>
+            </a:extLst>
+          </a:blip>
+          <a:stretch>
+            <a:fillRect/>
+          </a:stretch>
+        </p:blipFill>
+        <p:spPr>
+          <a:xfrm>
+            <a:off x="10575235" y="323207"/>
+            <a:ext cx="1291258" cy="1317882"/>
+          </a:xfrm>
+          <a:prstGeom prst="roundRect">
+            <a:avLst>
+              <a:gd name="adj" fmla="val 16667"/>
+            </a:avLst>
+          </a:prstGeom>
+          <a:ln>
+            <a:noFill/>
+          </a:ln>
+          <a:effectLst>
+            <a:outerShdw blurRad="76200" dist="38100" dir="7800000" algn="tl" rotWithShape="0">
+              <a:srgbClr val="000000">
+                <a:alpha val="40000"/>
+              </a:srgbClr>
+            </a:outerShdw>
+          </a:effectLst>
+          <a:scene3d>
+            <a:camera prst="orthographicFront"/>
+            <a:lightRig rig="contrasting" dir="t">
+              <a:rot lat="0" lon="0" rev="4200000"/>
+            </a:lightRig>
+          </a:scene3d>
+          <a:sp3d prstMaterial="plastic">
+            <a:bevelT w="381000" h="114300" prst="relaxedInset"/>
+            <a:contourClr>
+              <a:srgbClr val="969696"/>
+            </a:contourClr>
+          </a:sp3d>
+        </p:spPr>
+      </p:pic>
     </p:spTree>
     <p:extLst>
       <p:ext uri="{BB962C8B-B14F-4D97-AF65-F5344CB8AC3E}">
@@ -5998,6 +6064,124 @@
   <p:clrMapOvr>
     <a:masterClrMapping/>
   </p:clrMapOvr>
+</p:sld>
+</file>
+
+<file path=ppt/slides/slide10.xml><?xml version="1.0" encoding="utf-8"?>
+<p:sld xmlns:a="http://schemas.openxmlformats.org/drawingml/2006/main" xmlns:r="http://schemas.openxmlformats.org/officeDocument/2006/relationships" xmlns:p="http://schemas.openxmlformats.org/presentationml/2006/main">
+  <p:cSld>
+    <p:spTree>
+      <p:nvGrpSpPr>
+        <p:cNvPr id="1" name=""/>
+        <p:cNvGrpSpPr/>
+        <p:nvPr/>
+      </p:nvGrpSpPr>
+      <p:grpSpPr>
+        <a:xfrm>
+          <a:off x="0" y="0"/>
+          <a:ext cx="0" cy="0"/>
+          <a:chOff x="0" y="0"/>
+          <a:chExt cx="0" cy="0"/>
+        </a:xfrm>
+      </p:grpSpPr>
+      <p:sp>
+        <p:nvSpPr>
+          <p:cNvPr id="2" name="Titolo 1">
+            <a:extLst>
+              <a:ext uri="{FF2B5EF4-FFF2-40B4-BE49-F238E27FC236}">
+                <a16:creationId xmlns:a16="http://schemas.microsoft.com/office/drawing/2014/main" id="{E7D46DD2-DC4D-4358-9F67-1CA513817647}"/>
+              </a:ext>
+            </a:extLst>
+          </p:cNvPr>
+          <p:cNvSpPr>
+            <a:spLocks noGrp="1"/>
+          </p:cNvSpPr>
+          <p:nvPr>
+            <p:ph type="title"/>
+          </p:nvPr>
+        </p:nvSpPr>
+        <p:spPr/>
+        <p:txBody>
+          <a:bodyPr/>
+          <a:lstStyle/>
+          <a:p>
+            <a:r>
+              <a:rPr lang="it-IT" sz="4400" dirty="0"/>
+              <a:t>Conclusione</a:t>
+            </a:r>
+            <a:endParaRPr lang="it-CH" sz="4400" dirty="0"/>
+          </a:p>
+        </p:txBody>
+      </p:sp>
+      <p:sp>
+        <p:nvSpPr>
+          <p:cNvPr id="3" name="Segnaposto contenuto 2">
+            <a:extLst>
+              <a:ext uri="{FF2B5EF4-FFF2-40B4-BE49-F238E27FC236}">
+                <a16:creationId xmlns:a16="http://schemas.microsoft.com/office/drawing/2014/main" id="{FFF75E6A-0D65-4A4F-BB82-4C7F1C21CE8D}"/>
+              </a:ext>
+            </a:extLst>
+          </p:cNvPr>
+          <p:cNvSpPr>
+            <a:spLocks noGrp="1"/>
+          </p:cNvSpPr>
+          <p:nvPr>
+            <p:ph idx="1"/>
+          </p:nvPr>
+        </p:nvSpPr>
+        <p:spPr>
+          <a:xfrm>
+            <a:off x="0" y="2550695"/>
+            <a:ext cx="12191999" cy="3715799"/>
+          </a:xfrm>
+        </p:spPr>
+        <p:txBody>
+          <a:bodyPr>
+            <a:normAutofit/>
+          </a:bodyPr>
+          <a:lstStyle/>
+          <a:p>
+            <a:pPr marL="0" indent="0" algn="ctr">
+              <a:buNone/>
+            </a:pPr>
+            <a:r>
+              <a:rPr lang="it-IT" sz="6600" dirty="0"/>
+              <a:t>Grazie per l’attenzione</a:t>
+            </a:r>
+          </a:p>
+          <a:p>
+            <a:pPr marL="0" indent="0" algn="ctr">
+              <a:buNone/>
+            </a:pPr>
+            <a:r>
+              <a:rPr lang="it-CH" sz="3600" dirty="0"/>
+              <a:t>(qualche domanda?)</a:t>
+            </a:r>
+          </a:p>
+        </p:txBody>
+      </p:sp>
+    </p:spTree>
+    <p:extLst>
+      <p:ext uri="{BB962C8B-B14F-4D97-AF65-F5344CB8AC3E}">
+        <p14:creationId xmlns:p14="http://schemas.microsoft.com/office/powerpoint/2010/main" val="980393947"/>
+      </p:ext>
+    </p:extLst>
+  </p:cSld>
+  <p:clrMapOvr>
+    <a:masterClrMapping/>
+  </p:clrMapOvr>
+  <mc:AlternateContent xmlns:mc="http://schemas.openxmlformats.org/markup-compatibility/2006" xmlns:p15="http://schemas.microsoft.com/office/powerpoint/2012/main">
+    <mc:Choice Requires="p15">
+      <p:transition xmlns:p14="http://schemas.microsoft.com/office/powerpoint/2010/main" spd="slow" p14:dur="4200">
+        <p15:prstTrans prst="curtains"/>
+      </p:transition>
+    </mc:Choice>
+    <mc:Fallback xmlns="">
+      <p:transition spd="slow">
+        <p:fade/>
+      </p:transition>
+    </mc:Fallback>
+  </mc:AlternateContent>
 </p:sld>
 </file>
 
@@ -7074,7 +7258,15 @@
             <a:pPr lvl="2"/>
             <a:r>
               <a:rPr lang="it-IT" sz="2800" dirty="0"/>
-              <a:t>Output</a:t>
+              <a:t>Output (</a:t>
+            </a:r>
+            <a:r>
+              <a:rPr lang="it-IT" sz="2800" dirty="0" err="1"/>
+              <a:t>voc</a:t>
+            </a:r>
+            <a:r>
+              <a:rPr lang="it-IT" sz="2800" dirty="0"/>
+              <a:t>/popup)</a:t>
             </a:r>
           </a:p>
           <a:p>
@@ -7182,13 +7374,16 @@
             <a:pPr algn="ctr"/>
             <a:r>
               <a:rPr lang="it-CH" dirty="0"/>
-              <a:t>Pianificazione - </a:t>
+              <a:t>Pianificazione – </a:t>
             </a:r>
             <a:r>
               <a:rPr lang="it-CH" dirty="0" err="1"/>
               <a:t>Gannt</a:t>
             </a:r>
-            <a:endParaRPr lang="it-CH" dirty="0"/>
+            <a:r>
+              <a:rPr lang="it-CH" dirty="0"/>
+              <a:t> Preventivo</a:t>
+            </a:r>
           </a:p>
         </p:txBody>
       </p:sp>
@@ -7265,7 +7460,7 @@
           <p:cNvPr id="2" name="Titolo 1">
             <a:extLst>
               <a:ext uri="{FF2B5EF4-FFF2-40B4-BE49-F238E27FC236}">
-                <a16:creationId xmlns:a16="http://schemas.microsoft.com/office/drawing/2014/main" id="{CF03E51F-0677-0448-65C2-52FD8477988C}"/>
+                <a16:creationId xmlns:a16="http://schemas.microsoft.com/office/drawing/2014/main" id="{8586A6E3-9650-8906-5752-7DBB28AB4A51}"/>
               </a:ext>
             </a:extLst>
           </p:cNvPr>
@@ -7276,124 +7471,71 @@
             <p:ph type="title"/>
           </p:nvPr>
         </p:nvSpPr>
-        <p:spPr/>
+        <p:spPr>
+          <a:xfrm>
+            <a:off x="810000" y="0"/>
+            <a:ext cx="10571998" cy="1090863"/>
+          </a:xfrm>
+        </p:spPr>
         <p:txBody>
           <a:bodyPr/>
           <a:lstStyle/>
           <a:p>
-            <a:r>
-              <a:rPr lang="it-CH" sz="4400" dirty="0"/>
-              <a:t>Demo</a:t>
-            </a:r>
-          </a:p>
-        </p:txBody>
-      </p:sp>
-      <p:sp>
-        <p:nvSpPr>
-          <p:cNvPr id="3" name="Segnaposto contenuto 2">
+            <a:pPr algn="ctr"/>
+            <a:r>
+              <a:rPr lang="it-CH" dirty="0"/>
+              <a:t>Pianificazione – </a:t>
+            </a:r>
+            <a:r>
+              <a:rPr lang="it-CH" dirty="0" err="1"/>
+              <a:t>Gannt</a:t>
+            </a:r>
+            <a:r>
+              <a:rPr lang="it-CH" dirty="0"/>
+              <a:t> Consultivo</a:t>
+            </a:r>
+          </a:p>
+        </p:txBody>
+      </p:sp>
+      <p:pic>
+        <p:nvPicPr>
+          <p:cNvPr id="5" name="Segnaposto contenuto 4">
             <a:extLst>
               <a:ext uri="{FF2B5EF4-FFF2-40B4-BE49-F238E27FC236}">
-                <a16:creationId xmlns:a16="http://schemas.microsoft.com/office/drawing/2014/main" id="{A4647692-C1CB-92A4-D1A8-70327EF542F5}"/>
+                <a16:creationId xmlns:a16="http://schemas.microsoft.com/office/drawing/2014/main" id="{83EE2C71-F73B-269A-15D4-998D375D8B7E}"/>
               </a:ext>
             </a:extLst>
           </p:cNvPr>
-          <p:cNvSpPr>
-            <a:spLocks noGrp="1"/>
-          </p:cNvSpPr>
+          <p:cNvPicPr>
+            <a:picLocks noGrp="1" noChangeAspect="1"/>
+          </p:cNvPicPr>
           <p:nvPr>
             <p:ph idx="1"/>
           </p:nvPr>
-        </p:nvSpPr>
+        </p:nvPicPr>
+        <p:blipFill>
+          <a:blip r:embed="rId2">
+            <a:extLst>
+              <a:ext uri="{28A0092B-C50C-407E-A947-70E740481C1C}">
+                <a14:useLocalDpi xmlns:a14="http://schemas.microsoft.com/office/drawing/2010/main" val="0"/>
+              </a:ext>
+            </a:extLst>
+          </a:blip>
+          <a:stretch>
+            <a:fillRect/>
+          </a:stretch>
+        </p:blipFill>
         <p:spPr>
           <a:xfrm>
-            <a:off x="827424" y="2495003"/>
-            <a:ext cx="10554574" cy="3636511"/>
+            <a:off x="0" y="1453907"/>
+            <a:ext cx="12192000" cy="5404093"/>
           </a:xfrm>
         </p:spPr>
-        <p:txBody>
-          <a:bodyPr>
-            <a:normAutofit fontScale="92500" lnSpcReduction="10000"/>
-          </a:bodyPr>
-          <a:lstStyle/>
-          <a:p>
-            <a:pPr marL="742950" indent="-742950">
-              <a:lnSpc>
-                <a:spcPct val="120000"/>
-              </a:lnSpc>
-              <a:buFont typeface="+mj-lt"/>
-              <a:buAutoNum type="arabicPeriod"/>
-            </a:pPr>
-            <a:r>
-              <a:rPr lang="it-CH" sz="3600" dirty="0"/>
-              <a:t>Avviare l’applicazione</a:t>
-            </a:r>
-          </a:p>
-          <a:p>
-            <a:pPr marL="742950" indent="-742950">
-              <a:lnSpc>
-                <a:spcPct val="120000"/>
-              </a:lnSpc>
-              <a:buFont typeface="+mj-lt"/>
-              <a:buAutoNum type="arabicPeriod"/>
-            </a:pPr>
-            <a:r>
-              <a:rPr lang="it-CH" sz="3600" dirty="0"/>
-              <a:t>Configurare le impostazioni</a:t>
-            </a:r>
-          </a:p>
-          <a:p>
-            <a:pPr marL="742950" indent="-742950">
-              <a:lnSpc>
-                <a:spcPct val="120000"/>
-              </a:lnSpc>
-              <a:buFont typeface="+mj-lt"/>
-              <a:buAutoNum type="arabicPeriod"/>
-            </a:pPr>
-            <a:r>
-              <a:rPr lang="it-CH" sz="3600" dirty="0"/>
-              <a:t>Avviare la registrazione</a:t>
-            </a:r>
-          </a:p>
-          <a:p>
-            <a:pPr marL="742950" indent="-742950">
-              <a:lnSpc>
-                <a:spcPct val="120000"/>
-              </a:lnSpc>
-              <a:buFont typeface="+mj-lt"/>
-              <a:buAutoNum type="arabicPeriod"/>
-            </a:pPr>
-            <a:r>
-              <a:rPr lang="it-CH" sz="3600" dirty="0"/>
-              <a:t>Guardare espressivamente la </a:t>
-            </a:r>
-            <a:r>
-              <a:rPr lang="it-CH" sz="3600" dirty="0" err="1"/>
-              <a:t>cam</a:t>
-            </a:r>
-            <a:r>
-              <a:rPr lang="it-CH" sz="3600" dirty="0"/>
-              <a:t> </a:t>
-            </a:r>
-          </a:p>
-          <a:p>
-            <a:pPr marL="742950" indent="-742950">
-              <a:lnSpc>
-                <a:spcPct val="120000"/>
-              </a:lnSpc>
-              <a:buFont typeface="+mj-lt"/>
-              <a:buAutoNum type="arabicPeriod"/>
-            </a:pPr>
-            <a:r>
-              <a:rPr lang="it-CH" sz="3600" dirty="0"/>
-              <a:t>Guardare i resoconti statistici/grafici</a:t>
-            </a:r>
-          </a:p>
-        </p:txBody>
-      </p:sp>
+      </p:pic>
     </p:spTree>
     <p:extLst>
       <p:ext uri="{BB962C8B-B14F-4D97-AF65-F5344CB8AC3E}">
-        <p14:creationId xmlns:p14="http://schemas.microsoft.com/office/powerpoint/2010/main" val="3041822050"/>
+        <p14:creationId xmlns:p14="http://schemas.microsoft.com/office/powerpoint/2010/main" val="2214013368"/>
       </p:ext>
     </p:extLst>
   </p:cSld>
@@ -7401,7 +7543,7 @@
     <a:masterClrMapping/>
   </p:clrMapOvr>
   <p:transition spd="slow">
-    <p:randomBar/>
+    <p:cover dir="u"/>
   </p:transition>
 </p:sld>
 </file>
@@ -7428,7 +7570,7 @@
           <p:cNvPr id="2" name="Titolo 1">
             <a:extLst>
               <a:ext uri="{FF2B5EF4-FFF2-40B4-BE49-F238E27FC236}">
-                <a16:creationId xmlns:a16="http://schemas.microsoft.com/office/drawing/2014/main" id="{114AE8F5-EB54-41C3-B5D3-CE03A9A737FC}"/>
+                <a16:creationId xmlns:a16="http://schemas.microsoft.com/office/drawing/2014/main" id="{CF03E51F-0677-0448-65C2-52FD8477988C}"/>
               </a:ext>
             </a:extLst>
           </p:cNvPr>
@@ -7441,16 +7583,13 @@
         </p:nvSpPr>
         <p:spPr/>
         <p:txBody>
-          <a:bodyPr>
-            <a:normAutofit/>
-          </a:bodyPr>
+          <a:bodyPr/>
           <a:lstStyle/>
           <a:p>
             <a:r>
-              <a:rPr lang="it-IT" sz="4400" dirty="0"/>
-              <a:t>Sviluppi futuri</a:t>
-            </a:r>
-            <a:endParaRPr lang="it-CH" sz="4400" dirty="0"/>
+              <a:rPr lang="it-CH" sz="4400" dirty="0"/>
+              <a:t>Demo</a:t>
+            </a:r>
           </a:p>
         </p:txBody>
       </p:sp>
@@ -7459,7 +7598,7 @@
           <p:cNvPr id="3" name="Segnaposto contenuto 2">
             <a:extLst>
               <a:ext uri="{FF2B5EF4-FFF2-40B4-BE49-F238E27FC236}">
-                <a16:creationId xmlns:a16="http://schemas.microsoft.com/office/drawing/2014/main" id="{7B76593A-0372-4BB2-9231-2325645D59E0}"/>
+                <a16:creationId xmlns:a16="http://schemas.microsoft.com/office/drawing/2014/main" id="{A4647692-C1CB-92A4-D1A8-70327EF542F5}"/>
               </a:ext>
             </a:extLst>
           </p:cNvPr>
@@ -7472,58 +7611,94 @@
         </p:nvSpPr>
         <p:spPr>
           <a:xfrm>
-            <a:off x="680321" y="2743201"/>
-            <a:ext cx="10125137" cy="4114800"/>
+            <a:off x="827424" y="2495003"/>
+            <a:ext cx="10554574" cy="3636511"/>
           </a:xfrm>
         </p:spPr>
         <p:txBody>
           <a:bodyPr>
-            <a:normAutofit/>
+            <a:normAutofit fontScale="92500" lnSpcReduction="10000"/>
           </a:bodyPr>
           <a:lstStyle/>
           <a:p>
-            <a:pPr lvl="1">
+            <a:pPr marL="742950" indent="-742950">
               <a:lnSpc>
-                <a:spcPct val="150000"/>
+                <a:spcPct val="120000"/>
               </a:lnSpc>
+              <a:buFont typeface="+mj-lt"/>
+              <a:buAutoNum type="arabicPeriod"/>
             </a:pPr>
             <a:r>
-              <a:rPr lang="it-IT" sz="3600" dirty="0"/>
-              <a:t>Aggiungere più interazione (mirata)</a:t>
-            </a:r>
-          </a:p>
-          <a:p>
-            <a:pPr lvl="1">
+              <a:rPr lang="it-CH" sz="3600" dirty="0"/>
+              <a:t>Avviare l’applicazione</a:t>
+            </a:r>
+          </a:p>
+          <a:p>
+            <a:pPr marL="742950" indent="-742950">
               <a:lnSpc>
-                <a:spcPct val="150000"/>
+                <a:spcPct val="120000"/>
               </a:lnSpc>
+              <a:buFont typeface="+mj-lt"/>
+              <a:buAutoNum type="arabicPeriod"/>
             </a:pPr>
             <a:r>
-              <a:rPr lang="it-IT" sz="3600" dirty="0"/>
-              <a:t>Analisi più approfondita per le statistiche</a:t>
-            </a:r>
-          </a:p>
-          <a:p>
-            <a:pPr lvl="1">
+              <a:rPr lang="it-CH" sz="3600" dirty="0"/>
+              <a:t>Configurare le impostazioni</a:t>
+            </a:r>
+          </a:p>
+          <a:p>
+            <a:pPr marL="742950" indent="-742950">
               <a:lnSpc>
-                <a:spcPct val="150000"/>
+                <a:spcPct val="120000"/>
               </a:lnSpc>
+              <a:buFont typeface="+mj-lt"/>
+              <a:buAutoNum type="arabicPeriod"/>
             </a:pPr>
             <a:r>
-              <a:rPr lang="it-IT" sz="3600" dirty="0"/>
-              <a:t>Ottimizzare la velocità</a:t>
-            </a:r>
-          </a:p>
-          <a:p>
-            <a:pPr lvl="1"/>
-            <a:endParaRPr lang="it-IT" sz="2600" dirty="0"/>
+              <a:rPr lang="it-CH" sz="3600" dirty="0"/>
+              <a:t>Avviare la registrazione</a:t>
+            </a:r>
+          </a:p>
+          <a:p>
+            <a:pPr marL="742950" indent="-742950">
+              <a:lnSpc>
+                <a:spcPct val="120000"/>
+              </a:lnSpc>
+              <a:buFont typeface="+mj-lt"/>
+              <a:buAutoNum type="arabicPeriod"/>
+            </a:pPr>
+            <a:r>
+              <a:rPr lang="it-CH" sz="3600" dirty="0"/>
+              <a:t>Guardare espressivamente la </a:t>
+            </a:r>
+            <a:r>
+              <a:rPr lang="it-CH" sz="3600" dirty="0" err="1"/>
+              <a:t>cam</a:t>
+            </a:r>
+            <a:r>
+              <a:rPr lang="it-CH" sz="3600" dirty="0"/>
+              <a:t> </a:t>
+            </a:r>
+          </a:p>
+          <a:p>
+            <a:pPr marL="742950" indent="-742950">
+              <a:lnSpc>
+                <a:spcPct val="120000"/>
+              </a:lnSpc>
+              <a:buFont typeface="+mj-lt"/>
+              <a:buAutoNum type="arabicPeriod"/>
+            </a:pPr>
+            <a:r>
+              <a:rPr lang="it-CH" sz="3600" dirty="0"/>
+              <a:t>Guardare i resoconti statistici/grafici</a:t>
+            </a:r>
           </a:p>
         </p:txBody>
       </p:sp>
     </p:spTree>
     <p:extLst>
       <p:ext uri="{BB962C8B-B14F-4D97-AF65-F5344CB8AC3E}">
-        <p14:creationId xmlns:p14="http://schemas.microsoft.com/office/powerpoint/2010/main" val="2564213661"/>
+        <p14:creationId xmlns:p14="http://schemas.microsoft.com/office/powerpoint/2010/main" val="3041822050"/>
       </p:ext>
     </p:extLst>
   </p:cSld>
@@ -7531,7 +7706,7 @@
     <a:masterClrMapping/>
   </p:clrMapOvr>
   <p:transition spd="slow">
-    <p:push dir="u"/>
+    <p:randomBar/>
   </p:transition>
 </p:sld>
 </file>
@@ -7558,7 +7733,7 @@
           <p:cNvPr id="2" name="Titolo 1">
             <a:extLst>
               <a:ext uri="{FF2B5EF4-FFF2-40B4-BE49-F238E27FC236}">
-                <a16:creationId xmlns:a16="http://schemas.microsoft.com/office/drawing/2014/main" id="{23617AB7-4FDC-4378-A303-BDB168E4D9C5}"/>
+                <a16:creationId xmlns:a16="http://schemas.microsoft.com/office/drawing/2014/main" id="{114AE8F5-EB54-41C3-B5D3-CE03A9A737FC}"/>
               </a:ext>
             </a:extLst>
           </p:cNvPr>
@@ -7578,7 +7753,7 @@
           <a:p>
             <a:r>
               <a:rPr lang="it-IT" sz="4400" dirty="0"/>
-              <a:t>Considerazioni</a:t>
+              <a:t>Sviluppi futuri</a:t>
             </a:r>
             <a:endParaRPr lang="it-CH" sz="4400" dirty="0"/>
           </a:p>
@@ -7589,7 +7764,7 @@
           <p:cNvPr id="3" name="Segnaposto contenuto 2">
             <a:extLst>
               <a:ext uri="{FF2B5EF4-FFF2-40B4-BE49-F238E27FC236}">
-                <a16:creationId xmlns:a16="http://schemas.microsoft.com/office/drawing/2014/main" id="{78E415A2-F4B1-4424-8C5A-5C9CE1E7358C}"/>
+                <a16:creationId xmlns:a16="http://schemas.microsoft.com/office/drawing/2014/main" id="{7B76593A-0372-4BB2-9231-2325645D59E0}"/>
               </a:ext>
             </a:extLst>
           </p:cNvPr>
@@ -7602,92 +7777,58 @@
         </p:nvSpPr>
         <p:spPr>
           <a:xfrm>
-            <a:off x="393030" y="2807368"/>
-            <a:ext cx="11405937" cy="4050632"/>
+            <a:off x="680321" y="2743201"/>
+            <a:ext cx="10125137" cy="4114800"/>
           </a:xfrm>
         </p:spPr>
         <p:txBody>
-          <a:bodyPr numCol="2">
-            <a:normAutofit lnSpcReduction="10000"/>
+          <a:bodyPr>
+            <a:normAutofit/>
           </a:bodyPr>
           <a:lstStyle/>
           <a:p>
-            <a:pPr marL="0" indent="0">
-              <a:buNone/>
+            <a:pPr lvl="1">
+              <a:lnSpc>
+                <a:spcPct val="150000"/>
+              </a:lnSpc>
             </a:pPr>
             <a:r>
-              <a:rPr lang="it-IT" sz="3400" dirty="0"/>
-              <a:t>POSITIVE</a:t>
-            </a:r>
-          </a:p>
-          <a:p>
-            <a:r>
-              <a:rPr lang="it-IT" sz="3400" dirty="0"/>
-              <a:t>Ho ± imparato </a:t>
-            </a:r>
-            <a:r>
-              <a:rPr lang="it-IT" sz="3400" dirty="0" err="1"/>
-              <a:t>python</a:t>
-            </a:r>
-            <a:endParaRPr lang="it-IT" sz="3400" dirty="0"/>
-          </a:p>
-          <a:p>
-            <a:r>
-              <a:rPr lang="it-IT" sz="3400" dirty="0"/>
-              <a:t>Progetto continuabile</a:t>
-            </a:r>
-          </a:p>
-          <a:p>
-            <a:r>
-              <a:rPr lang="it-CH" sz="3400" dirty="0"/>
-              <a:t>Mi è piaciuto</a:t>
-            </a:r>
-          </a:p>
-          <a:p>
-            <a:endParaRPr lang="it-CH" sz="3400" dirty="0"/>
-          </a:p>
-          <a:p>
-            <a:endParaRPr lang="it-CH" sz="3400" dirty="0"/>
-          </a:p>
-          <a:p>
-            <a:pPr marL="0" indent="0">
-              <a:buNone/>
+              <a:rPr lang="it-IT" sz="3600" dirty="0"/>
+              <a:t>Aggiungere più interazione (mirata)</a:t>
+            </a:r>
+          </a:p>
+          <a:p>
+            <a:pPr lvl="1">
+              <a:lnSpc>
+                <a:spcPct val="150000"/>
+              </a:lnSpc>
             </a:pPr>
             <a:r>
-              <a:rPr lang="it-CH" sz="3400" dirty="0"/>
-              <a:t>NEGATIVE</a:t>
-            </a:r>
-          </a:p>
-          <a:p>
-            <a:r>
-              <a:rPr lang="it-IT" sz="3400" dirty="0"/>
-              <a:t>Sotto valutato il tempo</a:t>
-            </a:r>
-          </a:p>
-          <a:p>
-            <a:r>
-              <a:rPr lang="it-IT" sz="3400" dirty="0"/>
-              <a:t>Tante Imperfezioni</a:t>
-            </a:r>
-          </a:p>
-          <a:p>
-            <a:r>
-              <a:rPr lang="it-IT" sz="3400" dirty="0"/>
-              <a:t>Caricamento lento</a:t>
-            </a:r>
-          </a:p>
-          <a:p>
-            <a:pPr marL="0" indent="0">
-              <a:buNone/>
+              <a:rPr lang="it-IT" sz="3600" dirty="0"/>
+              <a:t>Analisi più approfondita per le statistiche</a:t>
+            </a:r>
+          </a:p>
+          <a:p>
+            <a:pPr lvl="1">
+              <a:lnSpc>
+                <a:spcPct val="150000"/>
+              </a:lnSpc>
             </a:pPr>
-            <a:endParaRPr lang="it-CH" sz="3400" dirty="0"/>
+            <a:r>
+              <a:rPr lang="it-IT" sz="3600" dirty="0"/>
+              <a:t>Ottimizzare la velocità</a:t>
+            </a:r>
+          </a:p>
+          <a:p>
+            <a:pPr lvl="1"/>
+            <a:endParaRPr lang="it-IT" sz="2600" dirty="0"/>
           </a:p>
         </p:txBody>
       </p:sp>
     </p:spTree>
     <p:extLst>
       <p:ext uri="{BB962C8B-B14F-4D97-AF65-F5344CB8AC3E}">
-        <p14:creationId xmlns:p14="http://schemas.microsoft.com/office/powerpoint/2010/main" val="3006847012"/>
+        <p14:creationId xmlns:p14="http://schemas.microsoft.com/office/powerpoint/2010/main" val="2564213661"/>
       </p:ext>
     </p:extLst>
   </p:cSld>
@@ -7722,7 +7863,7 @@
           <p:cNvPr id="2" name="Titolo 1">
             <a:extLst>
               <a:ext uri="{FF2B5EF4-FFF2-40B4-BE49-F238E27FC236}">
-                <a16:creationId xmlns:a16="http://schemas.microsoft.com/office/drawing/2014/main" id="{E7D46DD2-DC4D-4358-9F67-1CA513817647}"/>
+                <a16:creationId xmlns:a16="http://schemas.microsoft.com/office/drawing/2014/main" id="{23617AB7-4FDC-4378-A303-BDB168E4D9C5}"/>
               </a:ext>
             </a:extLst>
           </p:cNvPr>
@@ -7734,87 +7875,133 @@
           </p:nvPr>
         </p:nvSpPr>
         <p:spPr/>
-        <p:txBody>
-          <a:bodyPr/>
-          <a:lstStyle/>
-          <a:p>
-            <a:r>
-              <a:rPr lang="it-IT" sz="4400" dirty="0"/>
-              <a:t>Conclusione</a:t>
-            </a:r>
-            <a:endParaRPr lang="it-CH" sz="4400" dirty="0"/>
-          </a:p>
-        </p:txBody>
-      </p:sp>
-      <p:sp>
-        <p:nvSpPr>
-          <p:cNvPr id="3" name="Segnaposto contenuto 2">
-            <a:extLst>
-              <a:ext uri="{FF2B5EF4-FFF2-40B4-BE49-F238E27FC236}">
-                <a16:creationId xmlns:a16="http://schemas.microsoft.com/office/drawing/2014/main" id="{FFF75E6A-0D65-4A4F-BB82-4C7F1C21CE8D}"/>
-              </a:ext>
-            </a:extLst>
-          </p:cNvPr>
-          <p:cNvSpPr>
-            <a:spLocks noGrp="1"/>
-          </p:cNvSpPr>
-          <p:nvPr>
-            <p:ph idx="1"/>
-          </p:nvPr>
-        </p:nvSpPr>
-        <p:spPr>
-          <a:xfrm>
-            <a:off x="0" y="2550695"/>
-            <a:ext cx="12191999" cy="3715799"/>
-          </a:xfrm>
-        </p:spPr>
         <p:txBody>
           <a:bodyPr>
             <a:normAutofit/>
           </a:bodyPr>
           <a:lstStyle/>
           <a:p>
-            <a:pPr marL="0" indent="0" algn="ctr">
+            <a:r>
+              <a:rPr lang="it-IT" sz="4400" dirty="0"/>
+              <a:t>Considerazioni</a:t>
+            </a:r>
+            <a:endParaRPr lang="it-CH" sz="4400" dirty="0"/>
+          </a:p>
+        </p:txBody>
+      </p:sp>
+      <p:sp>
+        <p:nvSpPr>
+          <p:cNvPr id="3" name="Segnaposto contenuto 2">
+            <a:extLst>
+              <a:ext uri="{FF2B5EF4-FFF2-40B4-BE49-F238E27FC236}">
+                <a16:creationId xmlns:a16="http://schemas.microsoft.com/office/drawing/2014/main" id="{78E415A2-F4B1-4424-8C5A-5C9CE1E7358C}"/>
+              </a:ext>
+            </a:extLst>
+          </p:cNvPr>
+          <p:cNvSpPr>
+            <a:spLocks noGrp="1"/>
+          </p:cNvSpPr>
+          <p:nvPr>
+            <p:ph idx="1"/>
+          </p:nvPr>
+        </p:nvSpPr>
+        <p:spPr>
+          <a:xfrm>
+            <a:off x="393030" y="2807368"/>
+            <a:ext cx="11405937" cy="4050632"/>
+          </a:xfrm>
+        </p:spPr>
+        <p:txBody>
+          <a:bodyPr numCol="2">
+            <a:normAutofit lnSpcReduction="10000"/>
+          </a:bodyPr>
+          <a:lstStyle/>
+          <a:p>
+            <a:pPr marL="0" indent="0">
               <a:buNone/>
             </a:pPr>
             <a:r>
-              <a:rPr lang="it-IT" sz="6600" dirty="0"/>
-              <a:t>Grazie per l’attenzione</a:t>
-            </a:r>
-          </a:p>
-          <a:p>
-            <a:pPr marL="0" indent="0" algn="ctr">
+              <a:rPr lang="it-IT" sz="3400" dirty="0"/>
+              <a:t>POSITIVE</a:t>
+            </a:r>
+          </a:p>
+          <a:p>
+            <a:r>
+              <a:rPr lang="it-IT" sz="3400" dirty="0"/>
+              <a:t>Ho ± imparato </a:t>
+            </a:r>
+            <a:r>
+              <a:rPr lang="it-IT" sz="3400" dirty="0" err="1"/>
+              <a:t>python</a:t>
+            </a:r>
+            <a:endParaRPr lang="it-IT" sz="3400" dirty="0"/>
+          </a:p>
+          <a:p>
+            <a:r>
+              <a:rPr lang="it-IT" sz="3400" dirty="0"/>
+              <a:t>Progetto continuabile</a:t>
+            </a:r>
+          </a:p>
+          <a:p>
+            <a:r>
+              <a:rPr lang="it-CH" sz="3400" dirty="0"/>
+              <a:t>Mi è piaciuto</a:t>
+            </a:r>
+          </a:p>
+          <a:p>
+            <a:endParaRPr lang="it-CH" sz="3400" dirty="0"/>
+          </a:p>
+          <a:p>
+            <a:endParaRPr lang="it-CH" sz="3400" dirty="0"/>
+          </a:p>
+          <a:p>
+            <a:pPr marL="0" indent="0">
               <a:buNone/>
             </a:pPr>
             <a:r>
-              <a:rPr lang="it-CH" sz="3600" dirty="0"/>
-              <a:t>(qualche domanda?)</a:t>
-            </a:r>
+              <a:rPr lang="it-CH" sz="3400" dirty="0"/>
+              <a:t>NEGATIVE</a:t>
+            </a:r>
+          </a:p>
+          <a:p>
+            <a:r>
+              <a:rPr lang="it-IT" sz="3400" dirty="0"/>
+              <a:t>Sotto valutato il tempo</a:t>
+            </a:r>
+          </a:p>
+          <a:p>
+            <a:r>
+              <a:rPr lang="it-IT" sz="3400" dirty="0"/>
+              <a:t>Tante Imperfezioni</a:t>
+            </a:r>
+          </a:p>
+          <a:p>
+            <a:r>
+              <a:rPr lang="it-IT" sz="3400" dirty="0"/>
+              <a:t>Caricamento lento</a:t>
+            </a:r>
+          </a:p>
+          <a:p>
+            <a:pPr marL="0" indent="0">
+              <a:buNone/>
+            </a:pPr>
+            <a:endParaRPr lang="it-CH" sz="3400" dirty="0"/>
           </a:p>
         </p:txBody>
       </p:sp>
     </p:spTree>
     <p:extLst>
       <p:ext uri="{BB962C8B-B14F-4D97-AF65-F5344CB8AC3E}">
-        <p14:creationId xmlns:p14="http://schemas.microsoft.com/office/powerpoint/2010/main" val="980393947"/>
+        <p14:creationId xmlns:p14="http://schemas.microsoft.com/office/powerpoint/2010/main" val="3006847012"/>
       </p:ext>
     </p:extLst>
   </p:cSld>
   <p:clrMapOvr>
     <a:masterClrMapping/>
   </p:clrMapOvr>
-  <mc:AlternateContent xmlns:mc="http://schemas.openxmlformats.org/markup-compatibility/2006">
-    <mc:Choice xmlns:p15="http://schemas.microsoft.com/office/powerpoint/2012/main" Requires="p15">
-      <p:transition xmlns:p14="http://schemas.microsoft.com/office/powerpoint/2010/main" spd="slow" p14:dur="4200">
-        <p15:prstTrans prst="curtains"/>
-      </p:transition>
-    </mc:Choice>
-    <mc:Fallback>
-      <p:transition spd="slow">
-        <p:fade/>
-      </p:transition>
-    </mc:Fallback>
-  </mc:AlternateContent>
+  <p:transition spd="slow">
+    <p:push dir="u"/>
+  </p:transition>
 </p:sld>
 </file>
 
